--- a/Sign_Language_Image_Detection_Poster.pptx
+++ b/Sign_Language_Image_Detection_Poster.pptx
@@ -251,7 +251,7 @@
           <a:p>
             <a:fld id="{9A5D92FD-82C0-4B2A-B6FD-DDBEEF16BE96}" type="datetimeFigureOut">
               <a:rPr lang="en-AU" smtClean="0"/>
-              <a:t>12/02/2025</a:t>
+              <a:t>14/02/2025</a:t>
             </a:fld>
             <a:endParaRPr lang="en-AU"/>
           </a:p>
@@ -421,7 +421,7 @@
           <a:p>
             <a:fld id="{9A5D92FD-82C0-4B2A-B6FD-DDBEEF16BE96}" type="datetimeFigureOut">
               <a:rPr lang="en-AU" smtClean="0"/>
-              <a:t>12/02/2025</a:t>
+              <a:t>14/02/2025</a:t>
             </a:fld>
             <a:endParaRPr lang="en-AU"/>
           </a:p>
@@ -601,7 +601,7 @@
           <a:p>
             <a:fld id="{9A5D92FD-82C0-4B2A-B6FD-DDBEEF16BE96}" type="datetimeFigureOut">
               <a:rPr lang="en-AU" smtClean="0"/>
-              <a:t>12/02/2025</a:t>
+              <a:t>14/02/2025</a:t>
             </a:fld>
             <a:endParaRPr lang="en-AU"/>
           </a:p>
@@ -771,7 +771,7 @@
           <a:p>
             <a:fld id="{9A5D92FD-82C0-4B2A-B6FD-DDBEEF16BE96}" type="datetimeFigureOut">
               <a:rPr lang="en-AU" smtClean="0"/>
-              <a:t>12/02/2025</a:t>
+              <a:t>14/02/2025</a:t>
             </a:fld>
             <a:endParaRPr lang="en-AU"/>
           </a:p>
@@ -1017,7 +1017,7 @@
           <a:p>
             <a:fld id="{9A5D92FD-82C0-4B2A-B6FD-DDBEEF16BE96}" type="datetimeFigureOut">
               <a:rPr lang="en-AU" smtClean="0"/>
-              <a:t>12/02/2025</a:t>
+              <a:t>14/02/2025</a:t>
             </a:fld>
             <a:endParaRPr lang="en-AU"/>
           </a:p>
@@ -1249,7 +1249,7 @@
           <a:p>
             <a:fld id="{9A5D92FD-82C0-4B2A-B6FD-DDBEEF16BE96}" type="datetimeFigureOut">
               <a:rPr lang="en-AU" smtClean="0"/>
-              <a:t>12/02/2025</a:t>
+              <a:t>14/02/2025</a:t>
             </a:fld>
             <a:endParaRPr lang="en-AU"/>
           </a:p>
@@ -1616,7 +1616,7 @@
           <a:p>
             <a:fld id="{9A5D92FD-82C0-4B2A-B6FD-DDBEEF16BE96}" type="datetimeFigureOut">
               <a:rPr lang="en-AU" smtClean="0"/>
-              <a:t>12/02/2025</a:t>
+              <a:t>14/02/2025</a:t>
             </a:fld>
             <a:endParaRPr lang="en-AU"/>
           </a:p>
@@ -1734,7 +1734,7 @@
           <a:p>
             <a:fld id="{9A5D92FD-82C0-4B2A-B6FD-DDBEEF16BE96}" type="datetimeFigureOut">
               <a:rPr lang="en-AU" smtClean="0"/>
-              <a:t>12/02/2025</a:t>
+              <a:t>14/02/2025</a:t>
             </a:fld>
             <a:endParaRPr lang="en-AU"/>
           </a:p>
@@ -1829,7 +1829,7 @@
           <a:p>
             <a:fld id="{9A5D92FD-82C0-4B2A-B6FD-DDBEEF16BE96}" type="datetimeFigureOut">
               <a:rPr lang="en-AU" smtClean="0"/>
-              <a:t>12/02/2025</a:t>
+              <a:t>14/02/2025</a:t>
             </a:fld>
             <a:endParaRPr lang="en-AU"/>
           </a:p>
@@ -2106,7 +2106,7 @@
           <a:p>
             <a:fld id="{9A5D92FD-82C0-4B2A-B6FD-DDBEEF16BE96}" type="datetimeFigureOut">
               <a:rPr lang="en-AU" smtClean="0"/>
-              <a:t>12/02/2025</a:t>
+              <a:t>14/02/2025</a:t>
             </a:fld>
             <a:endParaRPr lang="en-AU"/>
           </a:p>
@@ -2363,7 +2363,7 @@
           <a:p>
             <a:fld id="{9A5D92FD-82C0-4B2A-B6FD-DDBEEF16BE96}" type="datetimeFigureOut">
               <a:rPr lang="en-AU" smtClean="0"/>
-              <a:t>12/02/2025</a:t>
+              <a:t>14/02/2025</a:t>
             </a:fld>
             <a:endParaRPr lang="en-AU"/>
           </a:p>
@@ -2576,7 +2576,7 @@
           <a:p>
             <a:fld id="{9A5D92FD-82C0-4B2A-B6FD-DDBEEF16BE96}" type="datetimeFigureOut">
               <a:rPr lang="en-AU" smtClean="0"/>
-              <a:t>12/02/2025</a:t>
+              <a:t>14/02/2025</a:t>
             </a:fld>
             <a:endParaRPr lang="en-AU"/>
           </a:p>
@@ -3198,6 +3198,7 @@
             <a:r>
               <a:rPr lang="en-AU" sz="3000" b="1" u="sng" dirty="0">
                 <a:latin typeface="Calibri" panose="020F0502020204030204" pitchFamily="34" charset="0"/>
+                <a:ea typeface="Calibri" panose="020F0502020204030204" pitchFamily="34" charset="0"/>
                 <a:cs typeface="Calibri" panose="020F0502020204030204" pitchFamily="34" charset="0"/>
               </a:rPr>
               <a:t>Goal</a:t>
@@ -3209,22 +3210,23 @@
               <a:buChar char="•"/>
             </a:pPr>
             <a:r>
-              <a:rPr lang="en-US" sz="2800" dirty="0"/>
+              <a:rPr lang="en-US" sz="2800" dirty="0">
+                <a:latin typeface="Calibri" panose="020F0502020204030204" pitchFamily="34" charset="0"/>
+                <a:ea typeface="Calibri" panose="020F0502020204030204" pitchFamily="34" charset="0"/>
+                <a:cs typeface="Calibri" panose="020F0502020204030204" pitchFamily="34" charset="0"/>
+              </a:rPr>
               <a:t>Develop an effective sign language recognition system.</a:t>
             </a:r>
           </a:p>
           <a:p>
             <a:r>
-              <a:rPr lang="en-US" sz="3000" b="1" u="sng" dirty="0" err="1">
-                <a:latin typeface="Calibri" panose="020F0502020204030204" pitchFamily="34" charset="0"/>
-                <a:cs typeface="Calibri" panose="020F0502020204030204" pitchFamily="34" charset="0"/>
-              </a:rPr>
-              <a:t>Methodolody</a:t>
-            </a:r>
-            <a:endParaRPr lang="en-US" sz="3000" b="1" u="sng" dirty="0">
-              <a:latin typeface="Calibri" panose="020F0502020204030204" pitchFamily="34" charset="0"/>
-              <a:cs typeface="Calibri" panose="020F0502020204030204" pitchFamily="34" charset="0"/>
-            </a:endParaRPr>
+              <a:rPr lang="en-US" sz="3000" b="1" u="sng" dirty="0">
+                <a:latin typeface="Calibri" panose="020F0502020204030204" pitchFamily="34" charset="0"/>
+                <a:ea typeface="Calibri" panose="020F0502020204030204" pitchFamily="34" charset="0"/>
+                <a:cs typeface="Calibri" panose="020F0502020204030204" pitchFamily="34" charset="0"/>
+              </a:rPr>
+              <a:t>Methodology</a:t>
+            </a:r>
           </a:p>
           <a:p>
             <a:pPr marL="457200" indent="-457200">
@@ -3234,6 +3236,7 @@
             <a:r>
               <a:rPr lang="en-US" sz="2800" dirty="0">
                 <a:latin typeface="Calibri" panose="020F0502020204030204" pitchFamily="34" charset="0"/>
+                <a:ea typeface="Calibri" panose="020F0502020204030204" pitchFamily="34" charset="0"/>
                 <a:cs typeface="Calibri" panose="020F0502020204030204" pitchFamily="34" charset="0"/>
               </a:rPr>
               <a:t>Comparison of baseline models to more complex architectures</a:t>
@@ -3247,18 +3250,21 @@
             <a:r>
               <a:rPr lang="en-US" sz="2800" dirty="0">
                 <a:latin typeface="Calibri" panose="020F0502020204030204" pitchFamily="34" charset="0"/>
+                <a:ea typeface="Calibri" panose="020F0502020204030204" pitchFamily="34" charset="0"/>
                 <a:cs typeface="Calibri" panose="020F0502020204030204" pitchFamily="34" charset="0"/>
               </a:rPr>
               <a:t>Fine-tuning and transfer learning for better accuracy</a:t>
             </a:r>
             <a:endParaRPr lang="en-AU" sz="2800" dirty="0">
               <a:latin typeface="Calibri" panose="020F0502020204030204" pitchFamily="34" charset="0"/>
+              <a:ea typeface="Calibri" panose="020F0502020204030204" pitchFamily="34" charset="0"/>
               <a:cs typeface="Calibri" panose="020F0502020204030204" pitchFamily="34" charset="0"/>
             </a:endParaRPr>
           </a:p>
           <a:p>
             <a:endParaRPr lang="en-AU" sz="2800" dirty="0">
               <a:latin typeface="Calibri" panose="020F0502020204030204" pitchFamily="34" charset="0"/>
+              <a:ea typeface="Calibri" panose="020F0502020204030204" pitchFamily="34" charset="0"/>
               <a:cs typeface="Calibri" panose="020F0502020204030204" pitchFamily="34" charset="0"/>
             </a:endParaRPr>
           </a:p>
@@ -3266,16 +3272,22 @@
             <a:r>
               <a:rPr lang="en-AU" sz="2800" b="1" dirty="0">
                 <a:latin typeface="Calibri" panose="020F0502020204030204" pitchFamily="34" charset="0"/>
+                <a:ea typeface="Calibri" panose="020F0502020204030204" pitchFamily="34" charset="0"/>
                 <a:cs typeface="Calibri" panose="020F0502020204030204" pitchFamily="34" charset="0"/>
               </a:rPr>
               <a:t>Key Observations: </a:t>
             </a:r>
             <a:r>
-              <a:rPr lang="en-US" sz="2800" b="1" dirty="0"/>
+              <a:rPr lang="en-US" sz="2800" b="1" dirty="0">
+                <a:latin typeface="Calibri" panose="020F0502020204030204" pitchFamily="34" charset="0"/>
+                <a:ea typeface="Calibri" panose="020F0502020204030204" pitchFamily="34" charset="0"/>
+                <a:cs typeface="Calibri" panose="020F0502020204030204" pitchFamily="34" charset="0"/>
+              </a:rPr>
               <a:t>Comparison of model architectures and effectiveness</a:t>
             </a:r>
             <a:endParaRPr lang="en-AU" sz="2800" dirty="0">
               <a:latin typeface="Calibri" panose="020F0502020204030204" pitchFamily="34" charset="0"/>
+              <a:ea typeface="Calibri" panose="020F0502020204030204" pitchFamily="34" charset="0"/>
               <a:cs typeface="Calibri" panose="020F0502020204030204" pitchFamily="34" charset="0"/>
             </a:endParaRPr>
           </a:p>
@@ -3473,7 +3485,7 @@
         <p:spPr>
           <a:xfrm>
             <a:off x="1060252" y="11417980"/>
-            <a:ext cx="13653060" cy="1384995"/>
+            <a:ext cx="13653060" cy="1415772"/>
           </a:xfrm>
           <a:prstGeom prst="rect">
             <a:avLst/>
@@ -3491,7 +3503,7 @@
               <a:buChar char="•"/>
             </a:pPr>
             <a:r>
-              <a:rPr lang="en-AU" sz="2800" dirty="0">
+              <a:rPr lang="en-AU" sz="3000" dirty="0">
                 <a:latin typeface="Calibri" panose="020F0502020204030204" pitchFamily="34" charset="0"/>
                 <a:cs typeface="Calibri" panose="020F0502020204030204" pitchFamily="34" charset="0"/>
               </a:rPr>
@@ -3652,7 +3664,7 @@
         <p:spPr>
           <a:xfrm>
             <a:off x="858772" y="19582048"/>
-            <a:ext cx="13653061" cy="19143702"/>
+            <a:ext cx="13653061" cy="19574589"/>
           </a:xfrm>
           <a:prstGeom prst="rect">
             <a:avLst/>
@@ -5538,6 +5550,7 @@
           <a:p>
             <a:endParaRPr lang="en-US" sz="3000" b="1" dirty="0">
               <a:latin typeface="Calibri" panose="020F0502020204030204" pitchFamily="34" charset="0"/>
+              <a:ea typeface="Calibri" panose="020F0502020204030204" pitchFamily="34" charset="0"/>
               <a:cs typeface="Calibri" panose="020F0502020204030204" pitchFamily="34" charset="0"/>
             </a:endParaRPr>
           </a:p>
@@ -5548,6 +5561,7 @@
                   <a:srgbClr val="005CA9"/>
                 </a:solidFill>
                 <a:latin typeface="Calibri" panose="020F0502020204030204" pitchFamily="34" charset="0"/>
+                <a:ea typeface="Calibri" panose="020F0502020204030204" pitchFamily="34" charset="0"/>
                 <a:cs typeface="Calibri" panose="020F0502020204030204" pitchFamily="34" charset="0"/>
               </a:rPr>
               <a:t>Best Models Comparison on all methods:</a:t>
@@ -5561,6 +5575,7 @@
             <a:r>
               <a:rPr lang="en-US" sz="3000" b="1" dirty="0">
                 <a:latin typeface="Calibri" panose="020F0502020204030204" pitchFamily="34" charset="0"/>
+                <a:ea typeface="Calibri" panose="020F0502020204030204" pitchFamily="34" charset="0"/>
                 <a:cs typeface="Calibri" panose="020F0502020204030204" pitchFamily="34" charset="0"/>
               </a:rPr>
               <a:t>Traditional CNNs: Poor generalization</a:t>
@@ -5572,19 +5587,35 @@
               <a:buChar char="•"/>
             </a:pPr>
             <a:r>
-              <a:rPr lang="en-US" sz="3200" b="1" dirty="0"/>
+              <a:rPr lang="en-US" sz="3200" b="1" dirty="0">
+                <a:latin typeface="Calibri" panose="020F0502020204030204" pitchFamily="34" charset="0"/>
+                <a:ea typeface="Calibri" panose="020F0502020204030204" pitchFamily="34" charset="0"/>
+                <a:cs typeface="Calibri" panose="020F0502020204030204" pitchFamily="34" charset="0"/>
+              </a:rPr>
               <a:t>Transfer Learning &amp; </a:t>
             </a:r>
             <a:r>
-              <a:rPr lang="en-US" sz="3200" b="1" dirty="0" err="1"/>
+              <a:rPr lang="en-US" sz="3200" b="1" dirty="0" err="1">
+                <a:latin typeface="Calibri" panose="020F0502020204030204" pitchFamily="34" charset="0"/>
+                <a:ea typeface="Calibri" panose="020F0502020204030204" pitchFamily="34" charset="0"/>
+                <a:cs typeface="Calibri" panose="020F0502020204030204" pitchFamily="34" charset="0"/>
+              </a:rPr>
               <a:t>ViTs</a:t>
             </a:r>
             <a:r>
-              <a:rPr lang="en-US" sz="3200" b="1" dirty="0"/>
+              <a:rPr lang="en-US" sz="3200" b="1" dirty="0">
+                <a:latin typeface="Calibri" panose="020F0502020204030204" pitchFamily="34" charset="0"/>
+                <a:ea typeface="Calibri" panose="020F0502020204030204" pitchFamily="34" charset="0"/>
+                <a:cs typeface="Calibri" panose="020F0502020204030204" pitchFamily="34" charset="0"/>
+              </a:rPr>
               <a:t> </a:t>
             </a:r>
             <a:r>
-              <a:rPr lang="en-US" sz="3200" dirty="0"/>
+              <a:rPr lang="en-US" sz="3200" dirty="0">
+                <a:latin typeface="Calibri" panose="020F0502020204030204" pitchFamily="34" charset="0"/>
+                <a:ea typeface="Calibri" panose="020F0502020204030204" pitchFamily="34" charset="0"/>
+                <a:cs typeface="Calibri" panose="020F0502020204030204" pitchFamily="34" charset="0"/>
+              </a:rPr>
               <a:t>outperformed custom CNN models.</a:t>
             </a:r>
           </a:p>
@@ -5596,12 +5627,14 @@
             <a:r>
               <a:rPr lang="en-US" sz="3200" b="1" dirty="0">
                 <a:latin typeface="Calibri" panose="020F0502020204030204" pitchFamily="34" charset="0"/>
+                <a:ea typeface="Calibri" panose="020F0502020204030204" pitchFamily="34" charset="0"/>
                 <a:cs typeface="Calibri" panose="020F0502020204030204" pitchFamily="34" charset="0"/>
               </a:rPr>
               <a:t>Pretrained features boost accuracy.</a:t>
             </a:r>
             <a:endParaRPr lang="en-US" sz="3000" b="1" dirty="0">
               <a:latin typeface="Calibri" panose="020F0502020204030204" pitchFamily="34" charset="0"/>
+              <a:ea typeface="Calibri" panose="020F0502020204030204" pitchFamily="34" charset="0"/>
               <a:cs typeface="Calibri" panose="020F0502020204030204" pitchFamily="34" charset="0"/>
             </a:endParaRPr>
           </a:p>
@@ -5634,7 +5667,7 @@
         </p:blipFill>
         <p:spPr>
           <a:xfrm>
-            <a:off x="16060521" y="25297322"/>
+            <a:off x="20006879" y="26573677"/>
             <a:ext cx="4267145" cy="1798352"/>
           </a:xfrm>
           <a:prstGeom prst="rect">
@@ -5778,6 +5811,7 @@
                   <a:srgbClr val="005CA9"/>
                 </a:solidFill>
                 <a:latin typeface="Calibri" panose="020F0502020204030204" pitchFamily="34" charset="0"/>
+                <a:ea typeface="Calibri" panose="020F0502020204030204" pitchFamily="34" charset="0"/>
                 <a:cs typeface="Calibri" panose="020F0502020204030204" pitchFamily="34" charset="0"/>
               </a:rPr>
               <a:t>Transfer Learning</a:t>
@@ -5789,15 +5823,27 @@
               <a:buChar char="•"/>
             </a:pPr>
             <a:r>
-              <a:rPr lang="en-US" sz="2800" b="1" dirty="0"/>
+              <a:rPr lang="en-US" sz="2800" b="1" dirty="0">
+                <a:latin typeface="Calibri" panose="020F0502020204030204" pitchFamily="34" charset="0"/>
+                <a:ea typeface="Calibri" panose="020F0502020204030204" pitchFamily="34" charset="0"/>
+                <a:cs typeface="Calibri" panose="020F0502020204030204" pitchFamily="34" charset="0"/>
+              </a:rPr>
               <a:t>MobileNetV2 outperformed </a:t>
             </a:r>
             <a:r>
-              <a:rPr lang="en-US" sz="2800" b="1" dirty="0" err="1"/>
+              <a:rPr lang="en-US" sz="2800" b="1" dirty="0" err="1">
+                <a:latin typeface="Calibri" panose="020F0502020204030204" pitchFamily="34" charset="0"/>
+                <a:ea typeface="Calibri" panose="020F0502020204030204" pitchFamily="34" charset="0"/>
+                <a:cs typeface="Calibri" panose="020F0502020204030204" pitchFamily="34" charset="0"/>
+              </a:rPr>
               <a:t>ConvNeXt</a:t>
             </a:r>
             <a:r>
-              <a:rPr lang="en-US" sz="2800" dirty="0"/>
+              <a:rPr lang="en-US" sz="2800" dirty="0">
+                <a:latin typeface="Calibri" panose="020F0502020204030204" pitchFamily="34" charset="0"/>
+                <a:ea typeface="Calibri" panose="020F0502020204030204" pitchFamily="34" charset="0"/>
+                <a:cs typeface="Calibri" panose="020F0502020204030204" pitchFamily="34" charset="0"/>
+              </a:rPr>
               <a:t> across all datasets despite being smaller.</a:t>
             </a:r>
           </a:p>
@@ -5807,11 +5853,19 @@
               <a:buChar char="•"/>
             </a:pPr>
             <a:r>
-              <a:rPr lang="en-US" sz="2800" b="1" dirty="0"/>
+              <a:rPr lang="en-US" sz="2800" b="1" dirty="0">
+                <a:latin typeface="Calibri" panose="020F0502020204030204" pitchFamily="34" charset="0"/>
+                <a:ea typeface="Calibri" panose="020F0502020204030204" pitchFamily="34" charset="0"/>
+                <a:cs typeface="Calibri" panose="020F0502020204030204" pitchFamily="34" charset="0"/>
+              </a:rPr>
               <a:t>Similar train-validation accuracies:</a:t>
             </a:r>
             <a:r>
-              <a:rPr lang="en-US" sz="2800" dirty="0"/>
+              <a:rPr lang="en-US" sz="2800" dirty="0">
+                <a:latin typeface="Calibri" panose="020F0502020204030204" pitchFamily="34" charset="0"/>
+                <a:ea typeface="Calibri" panose="020F0502020204030204" pitchFamily="34" charset="0"/>
+                <a:cs typeface="Calibri" panose="020F0502020204030204" pitchFamily="34" charset="0"/>
+              </a:rPr>
               <a:t> Proper learning with reduced overfitting.</a:t>
             </a:r>
           </a:p>
@@ -5821,7 +5875,11 @@
               <a:buChar char="•"/>
             </a:pPr>
             <a:r>
-              <a:rPr lang="en-US" sz="2800" dirty="0"/>
+              <a:rPr lang="en-US" sz="2800" dirty="0">
+                <a:latin typeface="Calibri" panose="020F0502020204030204" pitchFamily="34" charset="0"/>
+                <a:ea typeface="Calibri" panose="020F0502020204030204" pitchFamily="34" charset="0"/>
+                <a:cs typeface="Calibri" panose="020F0502020204030204" pitchFamily="34" charset="0"/>
+              </a:rPr>
               <a:t>Minimal train-validation loss differences across all datasets</a:t>
             </a:r>
           </a:p>
@@ -5831,11 +5889,19 @@
               <a:buChar char="•"/>
             </a:pPr>
             <a:r>
-              <a:rPr lang="en-US" sz="2800" b="1" dirty="0"/>
+              <a:rPr lang="en-US" sz="2800" b="1" dirty="0">
+                <a:latin typeface="Calibri" panose="020F0502020204030204" pitchFamily="34" charset="0"/>
+                <a:ea typeface="Calibri" panose="020F0502020204030204" pitchFamily="34" charset="0"/>
+                <a:cs typeface="Calibri" panose="020F0502020204030204" pitchFamily="34" charset="0"/>
+              </a:rPr>
               <a:t>Fine-tuning the entire model:</a:t>
             </a:r>
             <a:r>
-              <a:rPr lang="en-US" sz="2800" dirty="0"/>
+              <a:rPr lang="en-US" sz="2800" dirty="0">
+                <a:latin typeface="Calibri" panose="020F0502020204030204" pitchFamily="34" charset="0"/>
+                <a:ea typeface="Calibri" panose="020F0502020204030204" pitchFamily="34" charset="0"/>
+                <a:cs typeface="Calibri" panose="020F0502020204030204" pitchFamily="34" charset="0"/>
+              </a:rPr>
               <a:t> Significant accuracy improvement over training only the classification head.</a:t>
             </a:r>
           </a:p>
@@ -5865,7 +5931,7 @@
         </p:nvSpPr>
         <p:spPr>
           <a:xfrm>
-            <a:off x="16189947" y="16844547"/>
+            <a:off x="16187908" y="16912786"/>
             <a:ext cx="7011794" cy="4247317"/>
           </a:xfrm>
           <a:prstGeom prst="rect">
@@ -6321,35 +6387,6 @@
 </file>
 
 <file path=customXml/item1.xml><?xml version="1.0" encoding="utf-8"?>
-<p:properties xmlns:p="http://schemas.microsoft.com/office/2006/metadata/properties" xmlns:xsi="http://www.w3.org/2001/XMLSchema-instance" xmlns:pc="http://schemas.microsoft.com/office/infopath/2007/PartnerControls">
-  <documentManagement>
-    <lcf76f155ced4ddcb4097134ff3c332f xmlns="b46b7a7a-60bd-463b-8784-40e0360947d8">
-      <Terms xmlns="http://schemas.microsoft.com/office/infopath/2007/PartnerControls"/>
-    </lcf76f155ced4ddcb4097134ff3c332f>
-    <Notes xmlns="b46b7a7a-60bd-463b-8784-40e0360947d8" xsi:nil="true"/>
-    <TaxCatchAll xmlns="ffd4d2fb-1d99-4c9c-9b59-8928febbbb66" xsi:nil="true"/>
-    <SharedWithUsers xmlns="ffd4d2fb-1d99-4c9c-9b59-8928febbbb66">
-      <UserInfo>
-        <DisplayName/>
-        <AccountId xsi:nil="true"/>
-        <AccountType/>
-      </UserInfo>
-    </SharedWithUsers>
-    <MediaLengthInSeconds xmlns="b46b7a7a-60bd-463b-8784-40e0360947d8" xsi:nil="true"/>
-  </documentManagement>
-</p:properties>
-</file>
-
-<file path=customXml/item2.xml><?xml version="1.0" encoding="utf-8"?>
-<?mso-contentType ?>
-<FormTemplates xmlns="http://schemas.microsoft.com/sharepoint/v3/contenttype/forms">
-  <Display>DocumentLibraryForm</Display>
-  <Edit>DocumentLibraryForm</Edit>
-  <New>DocumentLibraryForm</New>
-</FormTemplates>
-</file>
-
-<file path=customXml/item3.xml><?xml version="1.0" encoding="utf-8"?>
 <ct:contentTypeSchema xmlns:ct="http://schemas.microsoft.com/office/2006/metadata/contentType" xmlns:ma="http://schemas.microsoft.com/office/2006/metadata/properties/metaAttributes" ct:_="" ma:_="" ma:contentTypeName="Document" ma:contentTypeID="0x0101008B61892C1072394FAEDD59C5DABA5D2E" ma:contentTypeVersion="19" ma:contentTypeDescription="Create a new document." ma:contentTypeScope="" ma:versionID="c3bf856597a6f272e62802464959c9ae">
   <xsd:schema xmlns:xsd="http://www.w3.org/2001/XMLSchema" xmlns:xs="http://www.w3.org/2001/XMLSchema" xmlns:p="http://schemas.microsoft.com/office/2006/metadata/properties" xmlns:ns2="b46b7a7a-60bd-463b-8784-40e0360947d8" xmlns:ns3="ffd4d2fb-1d99-4c9c-9b59-8928febbbb66" targetNamespace="http://schemas.microsoft.com/office/2006/metadata/properties" ma:root="true" ma:fieldsID="b9d1c54bc5708d77aa170e36336aab11" ns2:_="" ns3:_="">
     <xsd:import namespace="b46b7a7a-60bd-463b-8784-40e0360947d8"/>
@@ -6612,32 +6649,36 @@
 </ct:contentTypeSchema>
 </file>
 
-<file path=customXml/itemProps1.xml><?xml version="1.0" encoding="utf-8"?>
-<ds:datastoreItem xmlns:ds="http://schemas.openxmlformats.org/officeDocument/2006/customXml" ds:itemID="{1EA834B4-D88C-4218-91F6-E2A769CC28A2}">
-  <ds:schemaRefs>
-    <ds:schemaRef ds:uri="http://purl.org/dc/elements/1.1/"/>
-    <ds:schemaRef ds:uri="http://schemas.openxmlformats.org/package/2006/metadata/core-properties"/>
-    <ds:schemaRef ds:uri="http://purl.org/dc/terms/"/>
-    <ds:schemaRef ds:uri="http://purl.org/dc/dcmitype/"/>
-    <ds:schemaRef ds:uri="http://schemas.microsoft.com/office/2006/documentManagement/types"/>
-    <ds:schemaRef ds:uri="http://schemas.microsoft.com/office/2006/metadata/properties"/>
-    <ds:schemaRef ds:uri="http://schemas.microsoft.com/office/infopath/2007/PartnerControls"/>
-    <ds:schemaRef ds:uri="ffd4d2fb-1d99-4c9c-9b59-8928febbbb66"/>
-    <ds:schemaRef ds:uri="b46b7a7a-60bd-463b-8784-40e0360947d8"/>
-    <ds:schemaRef ds:uri="http://www.w3.org/XML/1998/namespace"/>
-  </ds:schemaRefs>
-</ds:datastoreItem>
+<file path=customXml/item2.xml><?xml version="1.0" encoding="utf-8"?>
+<?mso-contentType ?>
+<FormTemplates xmlns="http://schemas.microsoft.com/sharepoint/v3/contenttype/forms">
+  <Display>DocumentLibraryForm</Display>
+  <Edit>DocumentLibraryForm</Edit>
+  <New>DocumentLibraryForm</New>
+</FormTemplates>
 </file>
 
-<file path=customXml/itemProps2.xml><?xml version="1.0" encoding="utf-8"?>
-<ds:datastoreItem xmlns:ds="http://schemas.openxmlformats.org/officeDocument/2006/customXml" ds:itemID="{65D0422E-2D7C-4C37-B135-B71141D37236}">
-  <ds:schemaRefs>
-    <ds:schemaRef ds:uri="http://schemas.microsoft.com/sharepoint/v3/contenttype/forms"/>
-  </ds:schemaRefs>
-</ds:datastoreItem>
+<file path=customXml/item3.xml><?xml version="1.0" encoding="utf-8"?>
+<p:properties xmlns:p="http://schemas.microsoft.com/office/2006/metadata/properties" xmlns:xsi="http://www.w3.org/2001/XMLSchema-instance" xmlns:pc="http://schemas.microsoft.com/office/infopath/2007/PartnerControls">
+  <documentManagement>
+    <lcf76f155ced4ddcb4097134ff3c332f xmlns="b46b7a7a-60bd-463b-8784-40e0360947d8">
+      <Terms xmlns="http://schemas.microsoft.com/office/infopath/2007/PartnerControls"/>
+    </lcf76f155ced4ddcb4097134ff3c332f>
+    <Notes xmlns="b46b7a7a-60bd-463b-8784-40e0360947d8" xsi:nil="true"/>
+    <TaxCatchAll xmlns="ffd4d2fb-1d99-4c9c-9b59-8928febbbb66" xsi:nil="true"/>
+    <SharedWithUsers xmlns="ffd4d2fb-1d99-4c9c-9b59-8928febbbb66">
+      <UserInfo>
+        <DisplayName/>
+        <AccountId xsi:nil="true"/>
+        <AccountType/>
+      </UserInfo>
+    </SharedWithUsers>
+    <MediaLengthInSeconds xmlns="b46b7a7a-60bd-463b-8784-40e0360947d8" xsi:nil="true"/>
+  </documentManagement>
+</p:properties>
 </file>
 
-<file path=customXml/itemProps3.xml><?xml version="1.0" encoding="utf-8"?>
+<file path=customXml/itemProps1.xml><?xml version="1.0" encoding="utf-8"?>
 <ds:datastoreItem xmlns:ds="http://schemas.openxmlformats.org/officeDocument/2006/customXml" ds:itemID="{D9DEC8D1-D206-44F2-B6F1-0E559B7402C4}">
   <ds:schemaRefs>
     <ds:schemaRef ds:uri="http://schemas.microsoft.com/office/2006/metadata/contentType"/>
@@ -6654,4 +6695,29 @@
     <ds:schemaRef ds:uri="http://schemas.microsoft.com/internal/obd"/>
   </ds:schemaRefs>
 </ds:datastoreItem>
+</file>
+
+<file path=customXml/itemProps2.xml><?xml version="1.0" encoding="utf-8"?>
+<ds:datastoreItem xmlns:ds="http://schemas.openxmlformats.org/officeDocument/2006/customXml" ds:itemID="{65D0422E-2D7C-4C37-B135-B71141D37236}">
+  <ds:schemaRefs>
+    <ds:schemaRef ds:uri="http://schemas.microsoft.com/sharepoint/v3/contenttype/forms"/>
+  </ds:schemaRefs>
+</ds:datastoreItem>
+</file>
+
+<file path=customXml/itemProps3.xml><?xml version="1.0" encoding="utf-8"?>
+<ds:datastoreItem xmlns:ds="http://schemas.openxmlformats.org/officeDocument/2006/customXml" ds:itemID="{1EA834B4-D88C-4218-91F6-E2A769CC28A2}">
+  <ds:schemaRefs>
+    <ds:schemaRef ds:uri="http://purl.org/dc/elements/1.1/"/>
+    <ds:schemaRef ds:uri="http://schemas.openxmlformats.org/package/2006/metadata/core-properties"/>
+    <ds:schemaRef ds:uri="http://purl.org/dc/terms/"/>
+    <ds:schemaRef ds:uri="http://purl.org/dc/dcmitype/"/>
+    <ds:schemaRef ds:uri="http://schemas.microsoft.com/office/2006/documentManagement/types"/>
+    <ds:schemaRef ds:uri="http://schemas.microsoft.com/office/2006/metadata/properties"/>
+    <ds:schemaRef ds:uri="http://schemas.microsoft.com/office/infopath/2007/PartnerControls"/>
+    <ds:schemaRef ds:uri="ffd4d2fb-1d99-4c9c-9b59-8928febbbb66"/>
+    <ds:schemaRef ds:uri="b46b7a7a-60bd-463b-8784-40e0360947d8"/>
+    <ds:schemaRef ds:uri="http://www.w3.org/XML/1998/namespace"/>
+  </ds:schemaRefs>
+</ds:datastoreItem>
 </file>